--- a/powerpoint/ideas11.textAndImage.pptx
+++ b/powerpoint/ideas11.textAndImage.pptx
@@ -11112,7 +11112,7 @@
                   </a:solidFill>
                   <a:latin typeface="Arial Rounded MT Bold" panose="020F0704030504030204" pitchFamily="34" charset="77"/>
                 </a:rPr>
-                <a:t>TITULO 2</a:t>
+                <a:t>TITULO 3</a:t>
               </a:r>
             </a:p>
           </p:txBody>
